--- a/Presentation.pptx
+++ b/Presentation.pptx
@@ -5207,11 +5207,11 @@
   <p:clrMapOvr>
     <a:masterClrMapping/>
   </p:clrMapOvr>
-  <mc:AlternateContent xmlns:mc="http://schemas.openxmlformats.org/markup-compatibility/2006">
-    <mc:Choice xmlns:p14="http://schemas.microsoft.com/office/powerpoint/2010/main" Requires="p14">
+  <mc:AlternateContent xmlns:mc="http://schemas.openxmlformats.org/markup-compatibility/2006" xmlns:p14="http://schemas.microsoft.com/office/powerpoint/2010/main">
+    <mc:Choice Requires="p14">
       <p:transition p14:dur="0"/>
     </mc:Choice>
-    <mc:Fallback>
+    <mc:Fallback xmlns="">
       <p:transition/>
     </mc:Fallback>
   </mc:AlternateContent>
@@ -5322,11 +5322,11 @@
   <p:clrMapOvr>
     <a:masterClrMapping/>
   </p:clrMapOvr>
-  <mc:AlternateContent xmlns:mc="http://schemas.openxmlformats.org/markup-compatibility/2006">
-    <mc:Choice xmlns:p14="http://schemas.microsoft.com/office/powerpoint/2010/main" Requires="p14">
+  <mc:AlternateContent xmlns:mc="http://schemas.openxmlformats.org/markup-compatibility/2006" xmlns:p14="http://schemas.microsoft.com/office/powerpoint/2010/main">
+    <mc:Choice Requires="p14">
       <p:transition p14:dur="0"/>
     </mc:Choice>
-    <mc:Fallback>
+    <mc:Fallback xmlns="">
       <p:transition/>
     </mc:Fallback>
   </mc:AlternateContent>
@@ -5437,11 +5437,11 @@
   <p:clrMapOvr>
     <a:masterClrMapping/>
   </p:clrMapOvr>
-  <mc:AlternateContent xmlns:mc="http://schemas.openxmlformats.org/markup-compatibility/2006">
-    <mc:Choice xmlns:p14="http://schemas.microsoft.com/office/powerpoint/2010/main" Requires="p14">
+  <mc:AlternateContent xmlns:mc="http://schemas.openxmlformats.org/markup-compatibility/2006" xmlns:p14="http://schemas.microsoft.com/office/powerpoint/2010/main">
+    <mc:Choice Requires="p14">
       <p:transition p14:dur="0"/>
     </mc:Choice>
-    <mc:Fallback>
+    <mc:Fallback xmlns="">
       <p:transition/>
     </mc:Fallback>
   </mc:AlternateContent>
@@ -5684,13 +5684,8 @@
           <a:p>
             <a:r>
               <a:rPr lang="en-US" sz="2000" dirty="0" smtClean="0"/>
-              <a:t>This project </a:t>
-            </a:r>
-            <a:r>
-              <a:rPr lang="en-US" sz="2000" dirty="0" smtClean="0"/>
-              <a:t>aims to predict customer churn by assessing their propensity of risk to churn. The model generates small prioritized list of potential defectors and it will be focused to the set of the customer base who are most vulnerable to churn.</a:t>
-            </a:r>
-            <a:endParaRPr lang="en-US" sz="2000" dirty="0" smtClean="0"/>
+              <a:t>This project aims to predict customer churn by assessing their propensity of risk to churn. The model generates small prioritized list of potential defectors and it will be focused to the set of the customer base who are most vulnerable to churn.</a:t>
+            </a:r>
           </a:p>
           <a:p>
             <a:endParaRPr lang="en-US" sz="2000" dirty="0"/>
@@ -6617,11 +6612,7 @@
             </a:r>
             <a:r>
               <a:rPr lang="en-US" sz="1500" dirty="0" smtClean="0"/>
-              <a:t>	</a:t>
-            </a:r>
-            <a:r>
-              <a:rPr lang="en-US" sz="1500" dirty="0" smtClean="0"/>
-              <a:t>: Customer ID</a:t>
+              <a:t>	: Customer ID</a:t>
             </a:r>
           </a:p>
           <a:p>
@@ -6643,11 +6634,7 @@
             </a:pPr>
             <a:r>
               <a:rPr lang="en-US" sz="1500" dirty="0" smtClean="0"/>
-              <a:t>g</a:t>
-            </a:r>
-            <a:r>
-              <a:rPr lang="en-US" sz="1500" dirty="0" smtClean="0"/>
-              <a:t>ender	: Gender</a:t>
+              <a:t>gender	: Gender</a:t>
             </a:r>
           </a:p>
           <a:p>
@@ -7342,11 +7329,11 @@
   <p:clrMapOvr>
     <a:masterClrMapping/>
   </p:clrMapOvr>
-  <mc:AlternateContent xmlns:mc="http://schemas.openxmlformats.org/markup-compatibility/2006">
-    <mc:Choice xmlns:p14="http://schemas.microsoft.com/office/powerpoint/2010/main" Requires="p14">
+  <mc:AlternateContent xmlns:mc="http://schemas.openxmlformats.org/markup-compatibility/2006" xmlns:p14="http://schemas.microsoft.com/office/powerpoint/2010/main">
+    <mc:Choice Requires="p14">
       <p:transition p14:dur="0"/>
     </mc:Choice>
-    <mc:Fallback>
+    <mc:Fallback xmlns="">
       <p:transition/>
     </mc:Fallback>
   </mc:AlternateContent>
@@ -7504,13 +7491,13 @@
   <p:clrMapOvr>
     <a:masterClrMapping/>
   </p:clrMapOvr>
-  <mc:AlternateContent xmlns:mc="http://schemas.openxmlformats.org/markup-compatibility/2006">
-    <mc:Choice xmlns:p15="http://schemas.microsoft.com/office/powerpoint/2012/main" Requires="p15">
+  <mc:AlternateContent xmlns:mc="http://schemas.openxmlformats.org/markup-compatibility/2006" xmlns:p15="http://schemas.microsoft.com/office/powerpoint/2012/main">
+    <mc:Choice Requires="p15">
       <p:transition xmlns:p14="http://schemas.microsoft.com/office/powerpoint/2010/main" spd="slow" p14:dur="2000">
         <p15:prstTrans prst="drape"/>
       </p:transition>
     </mc:Choice>
-    <mc:Fallback>
+    <mc:Fallback xmlns="">
       <p:transition spd="slow">
         <p:fade/>
       </p:transition>
@@ -7706,13 +7693,13 @@
   <p:clrMapOvr>
     <a:masterClrMapping/>
   </p:clrMapOvr>
-  <mc:AlternateContent xmlns:mc="http://schemas.openxmlformats.org/markup-compatibility/2006">
-    <mc:Choice xmlns:p15="http://schemas.microsoft.com/office/powerpoint/2012/main" Requires="p15">
+  <mc:AlternateContent xmlns:mc="http://schemas.openxmlformats.org/markup-compatibility/2006" xmlns:p15="http://schemas.microsoft.com/office/powerpoint/2012/main">
+    <mc:Choice Requires="p15">
       <p:transition xmlns:p14="http://schemas.microsoft.com/office/powerpoint/2010/main" spd="slow" p14:dur="2000">
         <p15:prstTrans prst="drape"/>
       </p:transition>
     </mc:Choice>
-    <mc:Fallback>
+    <mc:Fallback xmlns="">
       <p:transition spd="slow">
         <p:fade/>
       </p:transition>
@@ -8022,15 +8009,7 @@
             </a:pPr>
             <a:r>
               <a:rPr lang="en-US" sz="1800" dirty="0" smtClean="0"/>
-              <a:t>For predict chur</a:t>
-            </a:r>
-            <a:r>
-              <a:rPr lang="en-US" sz="1800" dirty="0" smtClean="0"/>
-              <a:t>n customer, I am using classification method. Here are 3 models of classification method that I used</a:t>
-            </a:r>
-            <a:r>
-              <a:rPr lang="en-US" sz="1800" dirty="0" smtClean="0"/>
-              <a:t>:</a:t>
+              <a:t>For predict churn customer, I am using classification method. Here are 3 models of classification method that I used:</a:t>
             </a:r>
           </a:p>
           <a:p>
@@ -8135,7 +8114,6 @@
               <a:rPr lang="en-US" sz="1800" dirty="0" smtClean="0"/>
               <a:t> tuning by creating function to get a better score when building the model. Since we have unbalanced data, thus, I consider to use SMOTE as well beside using non-SMOTE data when training the model to compare the best result.</a:t>
             </a:r>
-            <a:endParaRPr lang="en-US" sz="1800" dirty="0" smtClean="0"/>
           </a:p>
           <a:p>
             <a:pPr marL="285750" indent="-285750">
@@ -8221,11 +8199,11 @@
   <p:clrMapOvr>
     <a:masterClrMapping/>
   </p:clrMapOvr>
-  <mc:AlternateContent xmlns:mc="http://schemas.openxmlformats.org/markup-compatibility/2006">
-    <mc:Choice xmlns:p14="http://schemas.microsoft.com/office/powerpoint/2010/main" Requires="p14">
+  <mc:AlternateContent xmlns:mc="http://schemas.openxmlformats.org/markup-compatibility/2006" xmlns:p14="http://schemas.microsoft.com/office/powerpoint/2010/main">
+    <mc:Choice Requires="p14">
       <p:transition p14:dur="0"/>
     </mc:Choice>
-    <mc:Fallback>
+    <mc:Fallback xmlns="">
       <p:transition/>
     </mc:Fallback>
   </mc:AlternateContent>
@@ -8702,6 +8680,15 @@
 </file>
 
 <file path=customXml/item1.xml><?xml version="1.0" encoding="utf-8"?>
+<?mso-contentType ?>
+<FormTemplates xmlns="http://schemas.microsoft.com/sharepoint/v3/contenttype/forms">
+  <Display>DocumentLibraryForm</Display>
+  <Edit>AssetEditForm</Edit>
+  <New>DocumentLibraryForm</New>
+</FormTemplates>
+</file>
+
+<file path=customXml/item2.xml><?xml version="1.0" encoding="utf-8"?>
 <p:properties xmlns:p="http://schemas.microsoft.com/office/2006/metadata/properties" xmlns:xsi="http://www.w3.org/2001/XMLSchema-instance" xmlns:pc="http://schemas.microsoft.com/office/infopath/2007/PartnerControls">
   <documentManagement>
     <DirectSourceMarket xmlns="4873beb7-5857-4685-be1f-d57550cc96cc" xsi:nil="true"/>
@@ -8825,15 +8812,6 @@
     </LocalizationTagsTaxHTField0>
   </documentManagement>
 </p:properties>
-</file>
-
-<file path=customXml/item2.xml><?xml version="1.0" encoding="utf-8"?>
-<?mso-contentType ?>
-<FormTemplates xmlns="http://schemas.microsoft.com/sharepoint/v3/contenttype/forms">
-  <Display>DocumentLibraryForm</Display>
-  <Edit>AssetEditForm</Edit>
-  <New>DocumentLibraryForm</New>
-</FormTemplates>
 </file>
 
 <file path=customXml/item3.xml><?xml version="1.0" encoding="utf-8"?>
@@ -9877,19 +9855,19 @@
 </file>
 
 <file path=customXml/itemProps1.xml><?xml version="1.0" encoding="utf-8"?>
+<ds:datastoreItem xmlns:ds="http://schemas.openxmlformats.org/officeDocument/2006/customXml" ds:itemID="{C3DEC53A-9DF1-4780-BE92-17E971B7A9ED}">
+  <ds:schemaRefs>
+    <ds:schemaRef ds:uri="http://schemas.microsoft.com/sharepoint/v3/contenttype/forms"/>
+  </ds:schemaRefs>
+</ds:datastoreItem>
+</file>
+
+<file path=customXml/itemProps2.xml><?xml version="1.0" encoding="utf-8"?>
 <ds:datastoreItem xmlns:ds="http://schemas.openxmlformats.org/officeDocument/2006/customXml" ds:itemID="{B970C04F-E7AC-41AB-9C6D-1B1BB88BFF7F}">
   <ds:schemaRefs>
     <ds:schemaRef ds:uri="http://schemas.microsoft.com/office/2006/metadata/properties"/>
     <ds:schemaRef ds:uri="http://schemas.microsoft.com/office/infopath/2007/PartnerControls"/>
     <ds:schemaRef ds:uri="4873beb7-5857-4685-be1f-d57550cc96cc"/>
-  </ds:schemaRefs>
-</ds:datastoreItem>
-</file>
-
-<file path=customXml/itemProps2.xml><?xml version="1.0" encoding="utf-8"?>
-<ds:datastoreItem xmlns:ds="http://schemas.openxmlformats.org/officeDocument/2006/customXml" ds:itemID="{C3DEC53A-9DF1-4780-BE92-17E971B7A9ED}">
-  <ds:schemaRefs>
-    <ds:schemaRef ds:uri="http://schemas.microsoft.com/sharepoint/v3/contenttype/forms"/>
   </ds:schemaRefs>
 </ds:datastoreItem>
 </file>

--- a/Presentation.pptx
+++ b/Presentation.pptx
@@ -5,7 +5,7 @@
     <p:sldMasterId id="2147483660" r:id="rId4"/>
   </p:sldMasterIdLst>
   <p:notesMasterIdLst>
-    <p:notesMasterId r:id="rId17"/>
+    <p:notesMasterId r:id="rId19"/>
   </p:notesMasterIdLst>
   <p:sldIdLst>
     <p:sldId id="256" r:id="rId5"/>
@@ -20,6 +20,8 @@
     <p:sldId id="269" r:id="rId14"/>
     <p:sldId id="270" r:id="rId15"/>
     <p:sldId id="271" r:id="rId16"/>
+    <p:sldId id="272" r:id="rId17"/>
+    <p:sldId id="273" r:id="rId18"/>
   </p:sldIdLst>
   <p:sldSz cx="12192000" cy="6858000"/>
   <p:notesSz cx="6858000" cy="9144000"/>
@@ -225,7 +227,7 @@
           <a:p>
             <a:fld id="{EC13577B-6902-467D-A26C-08A0DD5E4E03}" type="datetimeFigureOut">
               <a:rPr lang="en-US" smtClean="0"/>
-              <a:t>5/29/2020</a:t>
+              <a:t>5/31/2020</a:t>
             </a:fld>
             <a:endParaRPr lang="en-US"/>
           </a:p>
@@ -1069,7 +1071,7 @@
           <a:p>
             <a:fld id="{8BEEBAAA-29B5-4AF5-BC5F-7E580C29002D}" type="datetimeFigureOut">
               <a:rPr lang="en-US" smtClean="0"/>
-              <a:t>5/29/2020</a:t>
+              <a:t>5/31/2020</a:t>
             </a:fld>
             <a:endParaRPr lang="en-US"/>
           </a:p>
@@ -1346,7 +1348,7 @@
           <a:p>
             <a:fld id="{8BEEBAAA-29B5-4AF5-BC5F-7E580C29002D}" type="datetimeFigureOut">
               <a:rPr lang="en-US" smtClean="0"/>
-              <a:t>5/29/2020</a:t>
+              <a:t>5/31/2020</a:t>
             </a:fld>
             <a:endParaRPr lang="en-US"/>
           </a:p>
@@ -1628,7 +1630,7 @@
           <a:p>
             <a:fld id="{8BEEBAAA-29B5-4AF5-BC5F-7E580C29002D}" type="datetimeFigureOut">
               <a:rPr lang="en-US" smtClean="0"/>
-              <a:t>5/29/2020</a:t>
+              <a:t>5/31/2020</a:t>
             </a:fld>
             <a:endParaRPr lang="en-US"/>
           </a:p>
@@ -1989,7 +1991,7 @@
           <a:p>
             <a:fld id="{8BEEBAAA-29B5-4AF5-BC5F-7E580C29002D}" type="datetimeFigureOut">
               <a:rPr lang="en-US" smtClean="0"/>
-              <a:t>5/29/2020</a:t>
+              <a:t>5/31/2020</a:t>
             </a:fld>
             <a:endParaRPr lang="en-US"/>
           </a:p>
@@ -2289,7 +2291,7 @@
           <a:p>
             <a:fld id="{8BEEBAAA-29B5-4AF5-BC5F-7E580C29002D}" type="datetimeFigureOut">
               <a:rPr lang="en-US" smtClean="0"/>
-              <a:t>5/29/2020</a:t>
+              <a:t>5/31/2020</a:t>
             </a:fld>
             <a:endParaRPr lang="en-US"/>
           </a:p>
@@ -2804,7 +2806,7 @@
           <a:p>
             <a:fld id="{8BEEBAAA-29B5-4AF5-BC5F-7E580C29002D}" type="datetimeFigureOut">
               <a:rPr lang="en-US" smtClean="0"/>
-              <a:t>5/29/2020</a:t>
+              <a:t>5/31/2020</a:t>
             </a:fld>
             <a:endParaRPr lang="en-US"/>
           </a:p>
@@ -3449,7 +3451,7 @@
           <a:p>
             <a:fld id="{8BEEBAAA-29B5-4AF5-BC5F-7E580C29002D}" type="datetimeFigureOut">
               <a:rPr lang="en-US" smtClean="0"/>
-              <a:t>5/29/2020</a:t>
+              <a:t>5/31/2020</a:t>
             </a:fld>
             <a:endParaRPr lang="en-US"/>
           </a:p>
@@ -3674,7 +3676,7 @@
           <a:p>
             <a:fld id="{8BEEBAAA-29B5-4AF5-BC5F-7E580C29002D}" type="datetimeFigureOut">
               <a:rPr lang="en-US" smtClean="0"/>
-              <a:t>5/29/2020</a:t>
+              <a:t>5/31/2020</a:t>
             </a:fld>
             <a:endParaRPr lang="en-US"/>
           </a:p>
@@ -3815,7 +3817,7 @@
           <a:p>
             <a:fld id="{8BEEBAAA-29B5-4AF5-BC5F-7E580C29002D}" type="datetimeFigureOut">
               <a:rPr lang="en-US" smtClean="0"/>
-              <a:t>5/29/2020</a:t>
+              <a:t>5/31/2020</a:t>
             </a:fld>
             <a:endParaRPr lang="en-US"/>
           </a:p>
@@ -4152,7 +4154,7 @@
           <a:p>
             <a:fld id="{8BEEBAAA-29B5-4AF5-BC5F-7E580C29002D}" type="datetimeFigureOut">
               <a:rPr lang="en-US" smtClean="0"/>
-              <a:t>5/29/2020</a:t>
+              <a:t>5/31/2020</a:t>
             </a:fld>
             <a:endParaRPr lang="en-US"/>
           </a:p>
@@ -4409,7 +4411,7 @@
           <a:p>
             <a:fld id="{8BEEBAAA-29B5-4AF5-BC5F-7E580C29002D}" type="datetimeFigureOut">
               <a:rPr lang="en-US" smtClean="0"/>
-              <a:t>5/29/2020</a:t>
+              <a:t>5/31/2020</a:t>
             </a:fld>
             <a:endParaRPr lang="en-US"/>
           </a:p>
@@ -4622,7 +4624,7 @@
           <a:p>
             <a:fld id="{8BEEBAAA-29B5-4AF5-BC5F-7E580C29002D}" type="datetimeFigureOut">
               <a:rPr lang="en-US" smtClean="0"/>
-              <a:t>5/29/2020</a:t>
+              <a:t>5/31/2020</a:t>
             </a:fld>
             <a:endParaRPr lang="en-US"/>
           </a:p>
@@ -5442,6 +5444,240 @@
       <p:transition p14:dur="0"/>
     </mc:Choice>
     <mc:Fallback xmlns="">
+      <p:transition/>
+    </mc:Fallback>
+  </mc:AlternateContent>
+  <p:timing>
+    <p:tnLst>
+      <p:par>
+        <p:cTn id="1" dur="indefinite" restart="never" nodeType="tmRoot"/>
+      </p:par>
+    </p:tnLst>
+  </p:timing>
+</p:sld>
+</file>
+
+<file path=ppt/slides/slide13.xml><?xml version="1.0" encoding="utf-8"?>
+<p:sld xmlns:a="http://schemas.openxmlformats.org/drawingml/2006/main" xmlns:r="http://schemas.openxmlformats.org/officeDocument/2006/relationships" xmlns:p="http://schemas.openxmlformats.org/presentationml/2006/main">
+  <p:cSld>
+    <p:spTree>
+      <p:nvGrpSpPr>
+        <p:cNvPr id="1" name=""/>
+        <p:cNvGrpSpPr/>
+        <p:nvPr/>
+      </p:nvGrpSpPr>
+      <p:grpSpPr>
+        <a:xfrm>
+          <a:off x="0" y="0"/>
+          <a:ext cx="0" cy="0"/>
+          <a:chOff x="0" y="0"/>
+          <a:chExt cx="0" cy="0"/>
+        </a:xfrm>
+      </p:grpSpPr>
+      <p:sp>
+        <p:nvSpPr>
+          <p:cNvPr id="2" name="Title 1"/>
+          <p:cNvSpPr>
+            <a:spLocks noGrp="1"/>
+          </p:cNvSpPr>
+          <p:nvPr>
+            <p:ph type="title"/>
+          </p:nvPr>
+        </p:nvSpPr>
+        <p:spPr/>
+        <p:txBody>
+          <a:bodyPr>
+            <a:normAutofit/>
+          </a:bodyPr>
+          <a:lstStyle/>
+          <a:p>
+            <a:r>
+              <a:rPr lang="en-US" sz="4800" b="1" dirty="0" err="1" smtClean="0">
+                <a:latin typeface="Segoe UI Semibold" panose="020B0702040204020203" pitchFamily="34" charset="0"/>
+                <a:cs typeface="Segoe UI Semibold" panose="020B0702040204020203" pitchFamily="34" charset="0"/>
+              </a:rPr>
+              <a:t>WebApp</a:t>
+            </a:r>
+            <a:r>
+              <a:rPr lang="en-US" sz="4800" b="1" dirty="0" smtClean="0">
+                <a:latin typeface="Segoe UI Semibold" panose="020B0702040204020203" pitchFamily="34" charset="0"/>
+                <a:cs typeface="Segoe UI Semibold" panose="020B0702040204020203" pitchFamily="34" charset="0"/>
+              </a:rPr>
+              <a:t> Interface </a:t>
+            </a:r>
+            <a:r>
+              <a:rPr lang="en-US" sz="4800" b="1" dirty="0" smtClean="0">
+                <a:latin typeface="Segoe UI Semibold" panose="020B0702040204020203" pitchFamily="34" charset="0"/>
+                <a:cs typeface="Segoe UI Semibold" panose="020B0702040204020203" pitchFamily="34" charset="0"/>
+              </a:rPr>
+              <a:t>– Result (Churn)</a:t>
+            </a:r>
+            <a:endParaRPr lang="en-US" sz="4800" dirty="0"/>
+          </a:p>
+        </p:txBody>
+      </p:sp>
+      <p:pic>
+        <p:nvPicPr>
+          <p:cNvPr id="3" name="Picture 2"/>
+          <p:cNvPicPr>
+            <a:picLocks noChangeAspect="1"/>
+          </p:cNvPicPr>
+          <p:nvPr/>
+        </p:nvPicPr>
+        <p:blipFill>
+          <a:blip r:embed="rId2">
+            <a:extLst>
+              <a:ext uri="{28A0092B-C50C-407E-A947-70E740481C1C}">
+                <a14:useLocalDpi xmlns:a14="http://schemas.microsoft.com/office/drawing/2010/main" val="0"/>
+              </a:ext>
+            </a:extLst>
+          </a:blip>
+          <a:stretch>
+            <a:fillRect/>
+          </a:stretch>
+        </p:blipFill>
+        <p:spPr>
+          <a:xfrm>
+            <a:off x="266700" y="1359808"/>
+            <a:ext cx="11685814" cy="5419778"/>
+          </a:xfrm>
+          <a:prstGeom prst="rect">
+            <a:avLst/>
+          </a:prstGeom>
+        </p:spPr>
+      </p:pic>
+    </p:spTree>
+    <p:extLst>
+      <p:ext uri="{BB962C8B-B14F-4D97-AF65-F5344CB8AC3E}">
+        <p14:creationId xmlns:p14="http://schemas.microsoft.com/office/powerpoint/2010/main" val="788791350"/>
+      </p:ext>
+    </p:extLst>
+  </p:cSld>
+  <p:clrMapOvr>
+    <a:masterClrMapping/>
+  </p:clrMapOvr>
+  <mc:AlternateContent xmlns:mc="http://schemas.openxmlformats.org/markup-compatibility/2006">
+    <mc:Choice xmlns:p14="http://schemas.microsoft.com/office/powerpoint/2010/main" Requires="p14">
+      <p:transition p14:dur="0"/>
+    </mc:Choice>
+    <mc:Fallback>
+      <p:transition/>
+    </mc:Fallback>
+  </mc:AlternateContent>
+  <p:timing>
+    <p:tnLst>
+      <p:par>
+        <p:cTn id="1" dur="indefinite" restart="never" nodeType="tmRoot"/>
+      </p:par>
+    </p:tnLst>
+  </p:timing>
+</p:sld>
+</file>
+
+<file path=ppt/slides/slide14.xml><?xml version="1.0" encoding="utf-8"?>
+<p:sld xmlns:a="http://schemas.openxmlformats.org/drawingml/2006/main" xmlns:r="http://schemas.openxmlformats.org/officeDocument/2006/relationships" xmlns:p="http://schemas.openxmlformats.org/presentationml/2006/main">
+  <p:cSld>
+    <p:spTree>
+      <p:nvGrpSpPr>
+        <p:cNvPr id="1" name=""/>
+        <p:cNvGrpSpPr/>
+        <p:nvPr/>
+      </p:nvGrpSpPr>
+      <p:grpSpPr>
+        <a:xfrm>
+          <a:off x="0" y="0"/>
+          <a:ext cx="0" cy="0"/>
+          <a:chOff x="0" y="0"/>
+          <a:chExt cx="0" cy="0"/>
+        </a:xfrm>
+      </p:grpSpPr>
+      <p:sp>
+        <p:nvSpPr>
+          <p:cNvPr id="2" name="Title 1"/>
+          <p:cNvSpPr>
+            <a:spLocks noGrp="1"/>
+          </p:cNvSpPr>
+          <p:nvPr>
+            <p:ph type="title"/>
+          </p:nvPr>
+        </p:nvSpPr>
+        <p:spPr/>
+        <p:txBody>
+          <a:bodyPr>
+            <a:normAutofit/>
+          </a:bodyPr>
+          <a:lstStyle/>
+          <a:p>
+            <a:r>
+              <a:rPr lang="en-US" sz="4800" b="1" dirty="0" err="1" smtClean="0">
+                <a:latin typeface="Segoe UI Semibold" panose="020B0702040204020203" pitchFamily="34" charset="0"/>
+                <a:cs typeface="Segoe UI Semibold" panose="020B0702040204020203" pitchFamily="34" charset="0"/>
+              </a:rPr>
+              <a:t>WebApp</a:t>
+            </a:r>
+            <a:r>
+              <a:rPr lang="en-US" sz="4800" b="1" dirty="0" smtClean="0">
+                <a:latin typeface="Segoe UI Semibold" panose="020B0702040204020203" pitchFamily="34" charset="0"/>
+                <a:cs typeface="Segoe UI Semibold" panose="020B0702040204020203" pitchFamily="34" charset="0"/>
+              </a:rPr>
+              <a:t> Interface </a:t>
+            </a:r>
+            <a:r>
+              <a:rPr lang="en-US" sz="4800" b="1" dirty="0" smtClean="0">
+                <a:latin typeface="Segoe UI Semibold" panose="020B0702040204020203" pitchFamily="34" charset="0"/>
+                <a:cs typeface="Segoe UI Semibold" panose="020B0702040204020203" pitchFamily="34" charset="0"/>
+              </a:rPr>
+              <a:t>– Result (Exit)</a:t>
+            </a:r>
+            <a:endParaRPr lang="en-US" sz="4800" dirty="0"/>
+          </a:p>
+        </p:txBody>
+      </p:sp>
+      <p:pic>
+        <p:nvPicPr>
+          <p:cNvPr id="5" name="Picture 4"/>
+          <p:cNvPicPr>
+            <a:picLocks noChangeAspect="1"/>
+          </p:cNvPicPr>
+          <p:nvPr/>
+        </p:nvPicPr>
+        <p:blipFill>
+          <a:blip r:embed="rId2">
+            <a:extLst>
+              <a:ext uri="{28A0092B-C50C-407E-A947-70E740481C1C}">
+                <a14:useLocalDpi xmlns:a14="http://schemas.microsoft.com/office/drawing/2010/main" val="0"/>
+              </a:ext>
+            </a:extLst>
+          </a:blip>
+          <a:stretch>
+            <a:fillRect/>
+          </a:stretch>
+        </p:blipFill>
+        <p:spPr>
+          <a:xfrm>
+            <a:off x="200933" y="1339741"/>
+            <a:ext cx="11833225" cy="5495129"/>
+          </a:xfrm>
+          <a:prstGeom prst="rect">
+            <a:avLst/>
+          </a:prstGeom>
+        </p:spPr>
+      </p:pic>
+    </p:spTree>
+    <p:extLst>
+      <p:ext uri="{BB962C8B-B14F-4D97-AF65-F5344CB8AC3E}">
+        <p14:creationId xmlns:p14="http://schemas.microsoft.com/office/powerpoint/2010/main" val="1742290225"/>
+      </p:ext>
+    </p:extLst>
+  </p:cSld>
+  <p:clrMapOvr>
+    <a:masterClrMapping/>
+  </p:clrMapOvr>
+  <mc:AlternateContent xmlns:mc="http://schemas.openxmlformats.org/markup-compatibility/2006">
+    <mc:Choice xmlns:p14="http://schemas.microsoft.com/office/powerpoint/2010/main" Requires="p14">
+      <p:transition p14:dur="0"/>
+    </mc:Choice>
+    <mc:Fallback>
       <p:transition/>
     </mc:Fallback>
   </mc:AlternateContent>
@@ -8689,132 +8925,6 @@
 </file>
 
 <file path=customXml/item2.xml><?xml version="1.0" encoding="utf-8"?>
-<p:properties xmlns:p="http://schemas.microsoft.com/office/2006/metadata/properties" xmlns:xsi="http://www.w3.org/2001/XMLSchema-instance" xmlns:pc="http://schemas.microsoft.com/office/infopath/2007/PartnerControls">
-  <documentManagement>
-    <DirectSourceMarket xmlns="4873beb7-5857-4685-be1f-d57550cc96cc" xsi:nil="true"/>
-    <ApprovalStatus xmlns="4873beb7-5857-4685-be1f-d57550cc96cc">InProgress</ApprovalStatus>
-    <MarketSpecific xmlns="4873beb7-5857-4685-be1f-d57550cc96cc">false</MarketSpecific>
-    <LocComments xmlns="4873beb7-5857-4685-be1f-d57550cc96cc" xsi:nil="true"/>
-    <ThumbnailAssetId xmlns="4873beb7-5857-4685-be1f-d57550cc96cc" xsi:nil="true"/>
-    <PrimaryImageGen xmlns="4873beb7-5857-4685-be1f-d57550cc96cc">true</PrimaryImageGen>
-    <LegacyData xmlns="4873beb7-5857-4685-be1f-d57550cc96cc" xsi:nil="true"/>
-    <LocRecommendedHandoff xmlns="4873beb7-5857-4685-be1f-d57550cc96cc" xsi:nil="true"/>
-    <BusinessGroup xmlns="4873beb7-5857-4685-be1f-d57550cc96cc" xsi:nil="true"/>
-    <BlockPublish xmlns="4873beb7-5857-4685-be1f-d57550cc96cc">false</BlockPublish>
-    <TPFriendlyName xmlns="4873beb7-5857-4685-be1f-d57550cc96cc" xsi:nil="true"/>
-    <NumericId xmlns="4873beb7-5857-4685-be1f-d57550cc96cc" xsi:nil="true"/>
-    <APEditor xmlns="4873beb7-5857-4685-be1f-d57550cc96cc">
-      <UserInfo>
-        <DisplayName/>
-        <AccountId xsi:nil="true"/>
-        <AccountType/>
-      </UserInfo>
-    </APEditor>
-    <SourceTitle xmlns="4873beb7-5857-4685-be1f-d57550cc96cc" xsi:nil="true"/>
-    <OpenTemplate xmlns="4873beb7-5857-4685-be1f-d57550cc96cc">true</OpenTemplate>
-    <UALocComments xmlns="4873beb7-5857-4685-be1f-d57550cc96cc" xsi:nil="true"/>
-    <ParentAssetId xmlns="4873beb7-5857-4685-be1f-d57550cc96cc" xsi:nil="true"/>
-    <IntlLangReviewDate xmlns="4873beb7-5857-4685-be1f-d57550cc96cc" xsi:nil="true"/>
-    <FeatureTagsTaxHTField0 xmlns="4873beb7-5857-4685-be1f-d57550cc96cc">
-      <Terms xmlns="http://schemas.microsoft.com/office/infopath/2007/PartnerControls"/>
-    </FeatureTagsTaxHTField0>
-    <PublishStatusLookup xmlns="4873beb7-5857-4685-be1f-d57550cc96cc">
-      <Value>1584528</Value>
-    </PublishStatusLookup>
-    <Providers xmlns="4873beb7-5857-4685-be1f-d57550cc96cc" xsi:nil="true"/>
-    <MachineTranslated xmlns="4873beb7-5857-4685-be1f-d57550cc96cc">false</MachineTranslated>
-    <OriginalSourceMarket xmlns="4873beb7-5857-4685-be1f-d57550cc96cc" xsi:nil="true"/>
-    <APDescription xmlns="4873beb7-5857-4685-be1f-d57550cc96cc" xsi:nil="true"/>
-    <ClipArtFilename xmlns="4873beb7-5857-4685-be1f-d57550cc96cc" xsi:nil="true"/>
-    <ContentItem xmlns="4873beb7-5857-4685-be1f-d57550cc96cc" xsi:nil="true"/>
-    <TPInstallLocation xmlns="4873beb7-5857-4685-be1f-d57550cc96cc" xsi:nil="true"/>
-    <PublishTargets xmlns="4873beb7-5857-4685-be1f-d57550cc96cc">OfficeOnlineVNext</PublishTargets>
-    <TimesCloned xmlns="4873beb7-5857-4685-be1f-d57550cc96cc" xsi:nil="true"/>
-    <AssetStart xmlns="4873beb7-5857-4685-be1f-d57550cc96cc">2012-06-20T23:39:00+00:00</AssetStart>
-    <Provider xmlns="4873beb7-5857-4685-be1f-d57550cc96cc" xsi:nil="true"/>
-    <AcquiredFrom xmlns="4873beb7-5857-4685-be1f-d57550cc96cc">Internal MS</AcquiredFrom>
-    <FriendlyTitle xmlns="4873beb7-5857-4685-be1f-d57550cc96cc" xsi:nil="true"/>
-    <LastHandOff xmlns="4873beb7-5857-4685-be1f-d57550cc96cc" xsi:nil="true"/>
-    <TPClientViewer xmlns="4873beb7-5857-4685-be1f-d57550cc96cc" xsi:nil="true"/>
-    <UACurrentWords xmlns="4873beb7-5857-4685-be1f-d57550cc96cc" xsi:nil="true"/>
-    <ArtSampleDocs xmlns="4873beb7-5857-4685-be1f-d57550cc96cc" xsi:nil="true"/>
-    <UALocRecommendation xmlns="4873beb7-5857-4685-be1f-d57550cc96cc">Localize</UALocRecommendation>
-    <Manager xmlns="4873beb7-5857-4685-be1f-d57550cc96cc" xsi:nil="true"/>
-    <ShowIn xmlns="4873beb7-5857-4685-be1f-d57550cc96cc">Show everywhere</ShowIn>
-    <UANotes xmlns="4873beb7-5857-4685-be1f-d57550cc96cc" xsi:nil="true"/>
-    <TemplateStatus xmlns="4873beb7-5857-4685-be1f-d57550cc96cc">Complete</TemplateStatus>
-    <InternalTagsTaxHTField0 xmlns="4873beb7-5857-4685-be1f-d57550cc96cc">
-      <Terms xmlns="http://schemas.microsoft.com/office/infopath/2007/PartnerControls"/>
-    </InternalTagsTaxHTField0>
-    <CSXHash xmlns="4873beb7-5857-4685-be1f-d57550cc96cc" xsi:nil="true"/>
-    <Downloads xmlns="4873beb7-5857-4685-be1f-d57550cc96cc">0</Downloads>
-    <VoteCount xmlns="4873beb7-5857-4685-be1f-d57550cc96cc" xsi:nil="true"/>
-    <OOCacheId xmlns="4873beb7-5857-4685-be1f-d57550cc96cc" xsi:nil="true"/>
-    <IsDeleted xmlns="4873beb7-5857-4685-be1f-d57550cc96cc">false</IsDeleted>
-    <AssetExpire xmlns="4873beb7-5857-4685-be1f-d57550cc96cc">2029-01-01T08:00:00+00:00</AssetExpire>
-    <DSATActionTaken xmlns="4873beb7-5857-4685-be1f-d57550cc96cc" xsi:nil="true"/>
-    <CSXSubmissionMarket xmlns="4873beb7-5857-4685-be1f-d57550cc96cc" xsi:nil="true"/>
-    <TPExecutable xmlns="4873beb7-5857-4685-be1f-d57550cc96cc" xsi:nil="true"/>
-    <SubmitterId xmlns="4873beb7-5857-4685-be1f-d57550cc96cc" xsi:nil="true"/>
-    <EditorialTags xmlns="4873beb7-5857-4685-be1f-d57550cc96cc" xsi:nil="true"/>
-    <ApprovalLog xmlns="4873beb7-5857-4685-be1f-d57550cc96cc" xsi:nil="true"/>
-    <AssetType xmlns="4873beb7-5857-4685-be1f-d57550cc96cc">TP</AssetType>
-    <BugNumber xmlns="4873beb7-5857-4685-be1f-d57550cc96cc" xsi:nil="true"/>
-    <CSXSubmissionDate xmlns="4873beb7-5857-4685-be1f-d57550cc96cc" xsi:nil="true"/>
-    <CSXUpdate xmlns="4873beb7-5857-4685-be1f-d57550cc96cc">false</CSXUpdate>
-    <Milestone xmlns="4873beb7-5857-4685-be1f-d57550cc96cc" xsi:nil="true"/>
-    <RecommendationsModifier xmlns="4873beb7-5857-4685-be1f-d57550cc96cc" xsi:nil="true"/>
-    <OriginAsset xmlns="4873beb7-5857-4685-be1f-d57550cc96cc" xsi:nil="true"/>
-    <TPComponent xmlns="4873beb7-5857-4685-be1f-d57550cc96cc" xsi:nil="true"/>
-    <AssetId xmlns="4873beb7-5857-4685-be1f-d57550cc96cc">TP102923943</AssetId>
-    <IntlLocPriority xmlns="4873beb7-5857-4685-be1f-d57550cc96cc" xsi:nil="true"/>
-    <PolicheckWords xmlns="4873beb7-5857-4685-be1f-d57550cc96cc" xsi:nil="true"/>
-    <TPLaunchHelpLink xmlns="4873beb7-5857-4685-be1f-d57550cc96cc" xsi:nil="true"/>
-    <TPApplication xmlns="4873beb7-5857-4685-be1f-d57550cc96cc" xsi:nil="true"/>
-    <CrawlForDependencies xmlns="4873beb7-5857-4685-be1f-d57550cc96cc">false</CrawlForDependencies>
-    <HandoffToMSDN xmlns="4873beb7-5857-4685-be1f-d57550cc96cc" xsi:nil="true"/>
-    <PlannedPubDate xmlns="4873beb7-5857-4685-be1f-d57550cc96cc" xsi:nil="true"/>
-    <IntlLangReviewer xmlns="4873beb7-5857-4685-be1f-d57550cc96cc" xsi:nil="true"/>
-    <TrustLevel xmlns="4873beb7-5857-4685-be1f-d57550cc96cc">1 Microsoft Managed Content</TrustLevel>
-    <LocLastLocAttemptVersionLookup xmlns="4873beb7-5857-4685-be1f-d57550cc96cc">843282</LocLastLocAttemptVersionLookup>
-    <IsSearchable xmlns="4873beb7-5857-4685-be1f-d57550cc96cc">true</IsSearchable>
-    <TemplateTemplateType xmlns="4873beb7-5857-4685-be1f-d57550cc96cc">PowerPoint Template - Slideshow Launch</TemplateTemplateType>
-    <CampaignTagsTaxHTField0 xmlns="4873beb7-5857-4685-be1f-d57550cc96cc">
-      <Terms xmlns="http://schemas.microsoft.com/office/infopath/2007/PartnerControls"/>
-    </CampaignTagsTaxHTField0>
-    <TPNamespace xmlns="4873beb7-5857-4685-be1f-d57550cc96cc" xsi:nil="true"/>
-    <TaxCatchAll xmlns="4873beb7-5857-4685-be1f-d57550cc96cc"/>
-    <Markets xmlns="4873beb7-5857-4685-be1f-d57550cc96cc"/>
-    <UAProjectedTotalWords xmlns="4873beb7-5857-4685-be1f-d57550cc96cc" xsi:nil="true"/>
-    <IntlLangReview xmlns="4873beb7-5857-4685-be1f-d57550cc96cc">false</IntlLangReview>
-    <OutputCachingOn xmlns="4873beb7-5857-4685-be1f-d57550cc96cc">false</OutputCachingOn>
-    <AverageRating xmlns="4873beb7-5857-4685-be1f-d57550cc96cc" xsi:nil="true"/>
-    <LocMarketGroupTiers2 xmlns="4873beb7-5857-4685-be1f-d57550cc96cc" xsi:nil="true"/>
-    <APAuthor xmlns="4873beb7-5857-4685-be1f-d57550cc96cc">
-      <UserInfo>
-        <DisplayName>REDMOND\v-sa</DisplayName>
-        <AccountId>2467</AccountId>
-        <AccountType/>
-      </UserInfo>
-    </APAuthor>
-    <LocManualTestRequired xmlns="4873beb7-5857-4685-be1f-d57550cc96cc">false</LocManualTestRequired>
-    <TPCommandLine xmlns="4873beb7-5857-4685-be1f-d57550cc96cc" xsi:nil="true"/>
-    <TPAppVersion xmlns="4873beb7-5857-4685-be1f-d57550cc96cc" xsi:nil="true"/>
-    <EditorialStatus xmlns="4873beb7-5857-4685-be1f-d57550cc96cc">Complete</EditorialStatus>
-    <LastModifiedDateTime xmlns="4873beb7-5857-4685-be1f-d57550cc96cc" xsi:nil="true"/>
-    <ScenarioTagsTaxHTField0 xmlns="4873beb7-5857-4685-be1f-d57550cc96cc">
-      <Terms xmlns="http://schemas.microsoft.com/office/infopath/2007/PartnerControls"/>
-    </ScenarioTagsTaxHTField0>
-    <OriginalRelease xmlns="4873beb7-5857-4685-be1f-d57550cc96cc">15</OriginalRelease>
-    <TPLaunchHelpLinkType xmlns="4873beb7-5857-4685-be1f-d57550cc96cc">Template</TPLaunchHelpLinkType>
-    <LocalizationTagsTaxHTField0 xmlns="4873beb7-5857-4685-be1f-d57550cc96cc">
-      <Terms xmlns="http://schemas.microsoft.com/office/infopath/2007/PartnerControls"/>
-    </LocalizationTagsTaxHTField0>
-  </documentManagement>
-</p:properties>
-</file>
-
-<file path=customXml/item3.xml><?xml version="1.0" encoding="utf-8"?>
 <ct:contentTypeSchema xmlns:ct="http://schemas.microsoft.com/office/2006/metadata/contentType" xmlns:ma="http://schemas.microsoft.com/office/2006/metadata/properties/metaAttributes" ct:_="" ma:_="" ma:contentTypeName="TemplateFile" ma:contentTypeID="0x0101006EDDDB5EE6D98C44930B742096920B300400F5B6D36B3EF94B4E9A635CDF2A18F5B8" ma:contentTypeVersion="72" ma:contentTypeDescription="Create a new document." ma:contentTypeScope="" ma:versionID="a23e56308344d904b51738559c3d67c9">
   <xsd:schema xmlns:xsd="http://www.w3.org/2001/XMLSchema" xmlns:xs="http://www.w3.org/2001/XMLSchema" xmlns:p="http://schemas.microsoft.com/office/2006/metadata/properties" xmlns:ns2="4873beb7-5857-4685-be1f-d57550cc96cc" targetNamespace="http://schemas.microsoft.com/office/2006/metadata/properties" ma:root="true" ma:fieldsID="cd0908cc4600e77bf5da051303e00c8d" ns2:_="">
     <xsd:import namespace="4873beb7-5857-4685-be1f-d57550cc96cc"/>
@@ -9854,6 +9964,132 @@
 </ct:contentTypeSchema>
 </file>
 
+<file path=customXml/item3.xml><?xml version="1.0" encoding="utf-8"?>
+<p:properties xmlns:p="http://schemas.microsoft.com/office/2006/metadata/properties" xmlns:xsi="http://www.w3.org/2001/XMLSchema-instance" xmlns:pc="http://schemas.microsoft.com/office/infopath/2007/PartnerControls">
+  <documentManagement>
+    <DirectSourceMarket xmlns="4873beb7-5857-4685-be1f-d57550cc96cc" xsi:nil="true"/>
+    <ApprovalStatus xmlns="4873beb7-5857-4685-be1f-d57550cc96cc">InProgress</ApprovalStatus>
+    <MarketSpecific xmlns="4873beb7-5857-4685-be1f-d57550cc96cc">false</MarketSpecific>
+    <LocComments xmlns="4873beb7-5857-4685-be1f-d57550cc96cc" xsi:nil="true"/>
+    <ThumbnailAssetId xmlns="4873beb7-5857-4685-be1f-d57550cc96cc" xsi:nil="true"/>
+    <PrimaryImageGen xmlns="4873beb7-5857-4685-be1f-d57550cc96cc">true</PrimaryImageGen>
+    <LegacyData xmlns="4873beb7-5857-4685-be1f-d57550cc96cc" xsi:nil="true"/>
+    <LocRecommendedHandoff xmlns="4873beb7-5857-4685-be1f-d57550cc96cc" xsi:nil="true"/>
+    <BusinessGroup xmlns="4873beb7-5857-4685-be1f-d57550cc96cc" xsi:nil="true"/>
+    <BlockPublish xmlns="4873beb7-5857-4685-be1f-d57550cc96cc">false</BlockPublish>
+    <TPFriendlyName xmlns="4873beb7-5857-4685-be1f-d57550cc96cc" xsi:nil="true"/>
+    <NumericId xmlns="4873beb7-5857-4685-be1f-d57550cc96cc" xsi:nil="true"/>
+    <APEditor xmlns="4873beb7-5857-4685-be1f-d57550cc96cc">
+      <UserInfo>
+        <DisplayName/>
+        <AccountId xsi:nil="true"/>
+        <AccountType/>
+      </UserInfo>
+    </APEditor>
+    <SourceTitle xmlns="4873beb7-5857-4685-be1f-d57550cc96cc" xsi:nil="true"/>
+    <OpenTemplate xmlns="4873beb7-5857-4685-be1f-d57550cc96cc">true</OpenTemplate>
+    <UALocComments xmlns="4873beb7-5857-4685-be1f-d57550cc96cc" xsi:nil="true"/>
+    <ParentAssetId xmlns="4873beb7-5857-4685-be1f-d57550cc96cc" xsi:nil="true"/>
+    <IntlLangReviewDate xmlns="4873beb7-5857-4685-be1f-d57550cc96cc" xsi:nil="true"/>
+    <FeatureTagsTaxHTField0 xmlns="4873beb7-5857-4685-be1f-d57550cc96cc">
+      <Terms xmlns="http://schemas.microsoft.com/office/infopath/2007/PartnerControls"/>
+    </FeatureTagsTaxHTField0>
+    <PublishStatusLookup xmlns="4873beb7-5857-4685-be1f-d57550cc96cc">
+      <Value>1584528</Value>
+    </PublishStatusLookup>
+    <Providers xmlns="4873beb7-5857-4685-be1f-d57550cc96cc" xsi:nil="true"/>
+    <MachineTranslated xmlns="4873beb7-5857-4685-be1f-d57550cc96cc">false</MachineTranslated>
+    <OriginalSourceMarket xmlns="4873beb7-5857-4685-be1f-d57550cc96cc" xsi:nil="true"/>
+    <APDescription xmlns="4873beb7-5857-4685-be1f-d57550cc96cc" xsi:nil="true"/>
+    <ClipArtFilename xmlns="4873beb7-5857-4685-be1f-d57550cc96cc" xsi:nil="true"/>
+    <ContentItem xmlns="4873beb7-5857-4685-be1f-d57550cc96cc" xsi:nil="true"/>
+    <TPInstallLocation xmlns="4873beb7-5857-4685-be1f-d57550cc96cc" xsi:nil="true"/>
+    <PublishTargets xmlns="4873beb7-5857-4685-be1f-d57550cc96cc">OfficeOnlineVNext</PublishTargets>
+    <TimesCloned xmlns="4873beb7-5857-4685-be1f-d57550cc96cc" xsi:nil="true"/>
+    <AssetStart xmlns="4873beb7-5857-4685-be1f-d57550cc96cc">2012-06-20T23:39:00+00:00</AssetStart>
+    <Provider xmlns="4873beb7-5857-4685-be1f-d57550cc96cc" xsi:nil="true"/>
+    <AcquiredFrom xmlns="4873beb7-5857-4685-be1f-d57550cc96cc">Internal MS</AcquiredFrom>
+    <FriendlyTitle xmlns="4873beb7-5857-4685-be1f-d57550cc96cc" xsi:nil="true"/>
+    <LastHandOff xmlns="4873beb7-5857-4685-be1f-d57550cc96cc" xsi:nil="true"/>
+    <TPClientViewer xmlns="4873beb7-5857-4685-be1f-d57550cc96cc" xsi:nil="true"/>
+    <UACurrentWords xmlns="4873beb7-5857-4685-be1f-d57550cc96cc" xsi:nil="true"/>
+    <ArtSampleDocs xmlns="4873beb7-5857-4685-be1f-d57550cc96cc" xsi:nil="true"/>
+    <UALocRecommendation xmlns="4873beb7-5857-4685-be1f-d57550cc96cc">Localize</UALocRecommendation>
+    <Manager xmlns="4873beb7-5857-4685-be1f-d57550cc96cc" xsi:nil="true"/>
+    <ShowIn xmlns="4873beb7-5857-4685-be1f-d57550cc96cc">Show everywhere</ShowIn>
+    <UANotes xmlns="4873beb7-5857-4685-be1f-d57550cc96cc" xsi:nil="true"/>
+    <TemplateStatus xmlns="4873beb7-5857-4685-be1f-d57550cc96cc">Complete</TemplateStatus>
+    <InternalTagsTaxHTField0 xmlns="4873beb7-5857-4685-be1f-d57550cc96cc">
+      <Terms xmlns="http://schemas.microsoft.com/office/infopath/2007/PartnerControls"/>
+    </InternalTagsTaxHTField0>
+    <CSXHash xmlns="4873beb7-5857-4685-be1f-d57550cc96cc" xsi:nil="true"/>
+    <Downloads xmlns="4873beb7-5857-4685-be1f-d57550cc96cc">0</Downloads>
+    <VoteCount xmlns="4873beb7-5857-4685-be1f-d57550cc96cc" xsi:nil="true"/>
+    <OOCacheId xmlns="4873beb7-5857-4685-be1f-d57550cc96cc" xsi:nil="true"/>
+    <IsDeleted xmlns="4873beb7-5857-4685-be1f-d57550cc96cc">false</IsDeleted>
+    <AssetExpire xmlns="4873beb7-5857-4685-be1f-d57550cc96cc">2029-01-01T08:00:00+00:00</AssetExpire>
+    <DSATActionTaken xmlns="4873beb7-5857-4685-be1f-d57550cc96cc" xsi:nil="true"/>
+    <CSXSubmissionMarket xmlns="4873beb7-5857-4685-be1f-d57550cc96cc" xsi:nil="true"/>
+    <TPExecutable xmlns="4873beb7-5857-4685-be1f-d57550cc96cc" xsi:nil="true"/>
+    <SubmitterId xmlns="4873beb7-5857-4685-be1f-d57550cc96cc" xsi:nil="true"/>
+    <EditorialTags xmlns="4873beb7-5857-4685-be1f-d57550cc96cc" xsi:nil="true"/>
+    <ApprovalLog xmlns="4873beb7-5857-4685-be1f-d57550cc96cc" xsi:nil="true"/>
+    <AssetType xmlns="4873beb7-5857-4685-be1f-d57550cc96cc">TP</AssetType>
+    <BugNumber xmlns="4873beb7-5857-4685-be1f-d57550cc96cc" xsi:nil="true"/>
+    <CSXSubmissionDate xmlns="4873beb7-5857-4685-be1f-d57550cc96cc" xsi:nil="true"/>
+    <CSXUpdate xmlns="4873beb7-5857-4685-be1f-d57550cc96cc">false</CSXUpdate>
+    <Milestone xmlns="4873beb7-5857-4685-be1f-d57550cc96cc" xsi:nil="true"/>
+    <RecommendationsModifier xmlns="4873beb7-5857-4685-be1f-d57550cc96cc" xsi:nil="true"/>
+    <OriginAsset xmlns="4873beb7-5857-4685-be1f-d57550cc96cc" xsi:nil="true"/>
+    <TPComponent xmlns="4873beb7-5857-4685-be1f-d57550cc96cc" xsi:nil="true"/>
+    <AssetId xmlns="4873beb7-5857-4685-be1f-d57550cc96cc">TP102923943</AssetId>
+    <IntlLocPriority xmlns="4873beb7-5857-4685-be1f-d57550cc96cc" xsi:nil="true"/>
+    <PolicheckWords xmlns="4873beb7-5857-4685-be1f-d57550cc96cc" xsi:nil="true"/>
+    <TPLaunchHelpLink xmlns="4873beb7-5857-4685-be1f-d57550cc96cc" xsi:nil="true"/>
+    <TPApplication xmlns="4873beb7-5857-4685-be1f-d57550cc96cc" xsi:nil="true"/>
+    <CrawlForDependencies xmlns="4873beb7-5857-4685-be1f-d57550cc96cc">false</CrawlForDependencies>
+    <HandoffToMSDN xmlns="4873beb7-5857-4685-be1f-d57550cc96cc" xsi:nil="true"/>
+    <PlannedPubDate xmlns="4873beb7-5857-4685-be1f-d57550cc96cc" xsi:nil="true"/>
+    <IntlLangReviewer xmlns="4873beb7-5857-4685-be1f-d57550cc96cc" xsi:nil="true"/>
+    <TrustLevel xmlns="4873beb7-5857-4685-be1f-d57550cc96cc">1 Microsoft Managed Content</TrustLevel>
+    <LocLastLocAttemptVersionLookup xmlns="4873beb7-5857-4685-be1f-d57550cc96cc">843282</LocLastLocAttemptVersionLookup>
+    <IsSearchable xmlns="4873beb7-5857-4685-be1f-d57550cc96cc">true</IsSearchable>
+    <TemplateTemplateType xmlns="4873beb7-5857-4685-be1f-d57550cc96cc">PowerPoint Template - Slideshow Launch</TemplateTemplateType>
+    <CampaignTagsTaxHTField0 xmlns="4873beb7-5857-4685-be1f-d57550cc96cc">
+      <Terms xmlns="http://schemas.microsoft.com/office/infopath/2007/PartnerControls"/>
+    </CampaignTagsTaxHTField0>
+    <TPNamespace xmlns="4873beb7-5857-4685-be1f-d57550cc96cc" xsi:nil="true"/>
+    <TaxCatchAll xmlns="4873beb7-5857-4685-be1f-d57550cc96cc"/>
+    <Markets xmlns="4873beb7-5857-4685-be1f-d57550cc96cc"/>
+    <UAProjectedTotalWords xmlns="4873beb7-5857-4685-be1f-d57550cc96cc" xsi:nil="true"/>
+    <IntlLangReview xmlns="4873beb7-5857-4685-be1f-d57550cc96cc">false</IntlLangReview>
+    <OutputCachingOn xmlns="4873beb7-5857-4685-be1f-d57550cc96cc">false</OutputCachingOn>
+    <AverageRating xmlns="4873beb7-5857-4685-be1f-d57550cc96cc" xsi:nil="true"/>
+    <LocMarketGroupTiers2 xmlns="4873beb7-5857-4685-be1f-d57550cc96cc" xsi:nil="true"/>
+    <APAuthor xmlns="4873beb7-5857-4685-be1f-d57550cc96cc">
+      <UserInfo>
+        <DisplayName>REDMOND\v-sa</DisplayName>
+        <AccountId>2467</AccountId>
+        <AccountType/>
+      </UserInfo>
+    </APAuthor>
+    <LocManualTestRequired xmlns="4873beb7-5857-4685-be1f-d57550cc96cc">false</LocManualTestRequired>
+    <TPCommandLine xmlns="4873beb7-5857-4685-be1f-d57550cc96cc" xsi:nil="true"/>
+    <TPAppVersion xmlns="4873beb7-5857-4685-be1f-d57550cc96cc" xsi:nil="true"/>
+    <EditorialStatus xmlns="4873beb7-5857-4685-be1f-d57550cc96cc">Complete</EditorialStatus>
+    <LastModifiedDateTime xmlns="4873beb7-5857-4685-be1f-d57550cc96cc" xsi:nil="true"/>
+    <ScenarioTagsTaxHTField0 xmlns="4873beb7-5857-4685-be1f-d57550cc96cc">
+      <Terms xmlns="http://schemas.microsoft.com/office/infopath/2007/PartnerControls"/>
+    </ScenarioTagsTaxHTField0>
+    <OriginalRelease xmlns="4873beb7-5857-4685-be1f-d57550cc96cc">15</OriginalRelease>
+    <TPLaunchHelpLinkType xmlns="4873beb7-5857-4685-be1f-d57550cc96cc">Template</TPLaunchHelpLinkType>
+    <LocalizationTagsTaxHTField0 xmlns="4873beb7-5857-4685-be1f-d57550cc96cc">
+      <Terms xmlns="http://schemas.microsoft.com/office/infopath/2007/PartnerControls"/>
+    </LocalizationTagsTaxHTField0>
+  </documentManagement>
+</p:properties>
+</file>
+
 <file path=customXml/itemProps1.xml><?xml version="1.0" encoding="utf-8"?>
 <ds:datastoreItem xmlns:ds="http://schemas.openxmlformats.org/officeDocument/2006/customXml" ds:itemID="{C3DEC53A-9DF1-4780-BE92-17E971B7A9ED}">
   <ds:schemaRefs>
@@ -9863,16 +10099,6 @@
 </file>
 
 <file path=customXml/itemProps2.xml><?xml version="1.0" encoding="utf-8"?>
-<ds:datastoreItem xmlns:ds="http://schemas.openxmlformats.org/officeDocument/2006/customXml" ds:itemID="{B970C04F-E7AC-41AB-9C6D-1B1BB88BFF7F}">
-  <ds:schemaRefs>
-    <ds:schemaRef ds:uri="http://schemas.microsoft.com/office/2006/metadata/properties"/>
-    <ds:schemaRef ds:uri="http://schemas.microsoft.com/office/infopath/2007/PartnerControls"/>
-    <ds:schemaRef ds:uri="4873beb7-5857-4685-be1f-d57550cc96cc"/>
-  </ds:schemaRefs>
-</ds:datastoreItem>
-</file>
-
-<file path=customXml/itemProps3.xml><?xml version="1.0" encoding="utf-8"?>
 <ds:datastoreItem xmlns:ds="http://schemas.openxmlformats.org/officeDocument/2006/customXml" ds:itemID="{63EE7759-C66F-4EA4-9863-7EBA32518D3D}">
   <ds:schemaRefs>
     <ds:schemaRef ds:uri="http://schemas.microsoft.com/office/2006/metadata/contentType"/>
@@ -9888,4 +10114,14 @@
     <ds:schemaRef ds:uri="http://schemas.microsoft.com/internal/obd"/>
   </ds:schemaRefs>
 </ds:datastoreItem>
+</file>
+
+<file path=customXml/itemProps3.xml><?xml version="1.0" encoding="utf-8"?>
+<ds:datastoreItem xmlns:ds="http://schemas.openxmlformats.org/officeDocument/2006/customXml" ds:itemID="{B970C04F-E7AC-41AB-9C6D-1B1BB88BFF7F}">
+  <ds:schemaRefs>
+    <ds:schemaRef ds:uri="http://schemas.microsoft.com/office/2006/metadata/properties"/>
+    <ds:schemaRef ds:uri="http://schemas.microsoft.com/office/infopath/2007/PartnerControls"/>
+    <ds:schemaRef ds:uri="4873beb7-5857-4685-be1f-d57550cc96cc"/>
+  </ds:schemaRefs>
+</ds:datastoreItem>
 </file>
--- a/Presentation.pptx
+++ b/Presentation.pptx
@@ -5,7 +5,7 @@
     <p:sldMasterId id="2147483660" r:id="rId4"/>
   </p:sldMasterIdLst>
   <p:notesMasterIdLst>
-    <p:notesMasterId r:id="rId19"/>
+    <p:notesMasterId r:id="rId20"/>
   </p:notesMasterIdLst>
   <p:sldIdLst>
     <p:sldId id="256" r:id="rId5"/>
@@ -17,11 +17,12 @@
     <p:sldId id="267" r:id="rId11"/>
     <p:sldId id="263" r:id="rId12"/>
     <p:sldId id="268" r:id="rId13"/>
-    <p:sldId id="269" r:id="rId14"/>
-    <p:sldId id="270" r:id="rId15"/>
-    <p:sldId id="271" r:id="rId16"/>
-    <p:sldId id="272" r:id="rId17"/>
-    <p:sldId id="273" r:id="rId18"/>
+    <p:sldId id="274" r:id="rId14"/>
+    <p:sldId id="269" r:id="rId15"/>
+    <p:sldId id="270" r:id="rId16"/>
+    <p:sldId id="271" r:id="rId17"/>
+    <p:sldId id="272" r:id="rId18"/>
+    <p:sldId id="273" r:id="rId19"/>
   </p:sldIdLst>
   <p:sldSz cx="12192000" cy="6858000"/>
   <p:notesSz cx="6858000" cy="9144000"/>
@@ -227,7 +228,7 @@
           <a:p>
             <a:fld id="{EC13577B-6902-467D-A26C-08A0DD5E4E03}" type="datetimeFigureOut">
               <a:rPr lang="en-US" smtClean="0"/>
-              <a:t>5/31/2020</a:t>
+              <a:t>6/2/2020</a:t>
             </a:fld>
             <a:endParaRPr lang="en-US"/>
           </a:p>
@@ -1071,7 +1072,7 @@
           <a:p>
             <a:fld id="{8BEEBAAA-29B5-4AF5-BC5F-7E580C29002D}" type="datetimeFigureOut">
               <a:rPr lang="en-US" smtClean="0"/>
-              <a:t>5/31/2020</a:t>
+              <a:t>6/2/2020</a:t>
             </a:fld>
             <a:endParaRPr lang="en-US"/>
           </a:p>
@@ -1348,7 +1349,7 @@
           <a:p>
             <a:fld id="{8BEEBAAA-29B5-4AF5-BC5F-7E580C29002D}" type="datetimeFigureOut">
               <a:rPr lang="en-US" smtClean="0"/>
-              <a:t>5/31/2020</a:t>
+              <a:t>6/2/2020</a:t>
             </a:fld>
             <a:endParaRPr lang="en-US"/>
           </a:p>
@@ -1630,7 +1631,7 @@
           <a:p>
             <a:fld id="{8BEEBAAA-29B5-4AF5-BC5F-7E580C29002D}" type="datetimeFigureOut">
               <a:rPr lang="en-US" smtClean="0"/>
-              <a:t>5/31/2020</a:t>
+              <a:t>6/2/2020</a:t>
             </a:fld>
             <a:endParaRPr lang="en-US"/>
           </a:p>
@@ -1991,7 +1992,7 @@
           <a:p>
             <a:fld id="{8BEEBAAA-29B5-4AF5-BC5F-7E580C29002D}" type="datetimeFigureOut">
               <a:rPr lang="en-US" smtClean="0"/>
-              <a:t>5/31/2020</a:t>
+              <a:t>6/2/2020</a:t>
             </a:fld>
             <a:endParaRPr lang="en-US"/>
           </a:p>
@@ -2291,7 +2292,7 @@
           <a:p>
             <a:fld id="{8BEEBAAA-29B5-4AF5-BC5F-7E580C29002D}" type="datetimeFigureOut">
               <a:rPr lang="en-US" smtClean="0"/>
-              <a:t>5/31/2020</a:t>
+              <a:t>6/2/2020</a:t>
             </a:fld>
             <a:endParaRPr lang="en-US"/>
           </a:p>
@@ -2806,7 +2807,7 @@
           <a:p>
             <a:fld id="{8BEEBAAA-29B5-4AF5-BC5F-7E580C29002D}" type="datetimeFigureOut">
               <a:rPr lang="en-US" smtClean="0"/>
-              <a:t>5/31/2020</a:t>
+              <a:t>6/2/2020</a:t>
             </a:fld>
             <a:endParaRPr lang="en-US"/>
           </a:p>
@@ -3451,7 +3452,7 @@
           <a:p>
             <a:fld id="{8BEEBAAA-29B5-4AF5-BC5F-7E580C29002D}" type="datetimeFigureOut">
               <a:rPr lang="en-US" smtClean="0"/>
-              <a:t>5/31/2020</a:t>
+              <a:t>6/2/2020</a:t>
             </a:fld>
             <a:endParaRPr lang="en-US"/>
           </a:p>
@@ -3676,7 +3677,7 @@
           <a:p>
             <a:fld id="{8BEEBAAA-29B5-4AF5-BC5F-7E580C29002D}" type="datetimeFigureOut">
               <a:rPr lang="en-US" smtClean="0"/>
-              <a:t>5/31/2020</a:t>
+              <a:t>6/2/2020</a:t>
             </a:fld>
             <a:endParaRPr lang="en-US"/>
           </a:p>
@@ -3817,7 +3818,7 @@
           <a:p>
             <a:fld id="{8BEEBAAA-29B5-4AF5-BC5F-7E580C29002D}" type="datetimeFigureOut">
               <a:rPr lang="en-US" smtClean="0"/>
-              <a:t>5/31/2020</a:t>
+              <a:t>6/2/2020</a:t>
             </a:fld>
             <a:endParaRPr lang="en-US"/>
           </a:p>
@@ -4154,7 +4155,7 @@
           <a:p>
             <a:fld id="{8BEEBAAA-29B5-4AF5-BC5F-7E580C29002D}" type="datetimeFigureOut">
               <a:rPr lang="en-US" smtClean="0"/>
-              <a:t>5/31/2020</a:t>
+              <a:t>6/2/2020</a:t>
             </a:fld>
             <a:endParaRPr lang="en-US"/>
           </a:p>
@@ -4411,7 +4412,7 @@
           <a:p>
             <a:fld id="{8BEEBAAA-29B5-4AF5-BC5F-7E580C29002D}" type="datetimeFigureOut">
               <a:rPr lang="en-US" smtClean="0"/>
-              <a:t>5/31/2020</a:t>
+              <a:t>6/2/2020</a:t>
             </a:fld>
             <a:endParaRPr lang="en-US"/>
           </a:p>
@@ -4624,7 +4625,7 @@
           <a:p>
             <a:fld id="{8BEEBAAA-29B5-4AF5-BC5F-7E580C29002D}" type="datetimeFigureOut">
               <a:rPr lang="en-US" smtClean="0"/>
-              <a:t>5/31/2020</a:t>
+              <a:t>6/2/2020</a:t>
             </a:fld>
             <a:endParaRPr lang="en-US"/>
           </a:p>
@@ -5152,6 +5153,244 @@
           <a:lstStyle/>
           <a:p>
             <a:r>
+              <a:rPr lang="en-US" sz="4800" b="1" dirty="0" smtClean="0">
+                <a:latin typeface="Segoe UI Semibold" panose="020B0702040204020203" pitchFamily="34" charset="0"/>
+                <a:cs typeface="Segoe UI Semibold" panose="020B0702040204020203" pitchFamily="34" charset="0"/>
+              </a:rPr>
+              <a:t>Decision Best Models</a:t>
+            </a:r>
+            <a:endParaRPr lang="en-US" sz="4800" dirty="0"/>
+          </a:p>
+        </p:txBody>
+      </p:sp>
+      <p:sp>
+        <p:nvSpPr>
+          <p:cNvPr id="3" name="Content Placeholder 2"/>
+          <p:cNvSpPr>
+            <a:spLocks noGrp="1"/>
+          </p:cNvSpPr>
+          <p:nvPr>
+            <p:ph idx="1"/>
+          </p:nvPr>
+        </p:nvSpPr>
+        <p:spPr>
+          <a:xfrm>
+            <a:off x="467811" y="1631341"/>
+            <a:ext cx="5723577" cy="4589840"/>
+          </a:xfrm>
+        </p:spPr>
+        <p:txBody>
+          <a:bodyPr>
+            <a:normAutofit lnSpcReduction="10000"/>
+          </a:bodyPr>
+          <a:lstStyle/>
+          <a:p>
+            <a:pPr marL="285750" indent="-285750">
+              <a:lnSpc>
+                <a:spcPct val="100000"/>
+              </a:lnSpc>
+              <a:spcBef>
+                <a:spcPts val="0"/>
+              </a:spcBef>
+              <a:spcAft>
+                <a:spcPts val="600"/>
+              </a:spcAft>
+              <a:buFont typeface="Arial" panose="020B0604020202020204" pitchFamily="34" charset="0"/>
+              <a:buChar char="•"/>
+            </a:pPr>
+            <a:r>
+              <a:rPr lang="en-US" sz="1800" dirty="0" smtClean="0"/>
+              <a:t>If </a:t>
+            </a:r>
+            <a:r>
+              <a:rPr lang="en-US" sz="1800" dirty="0"/>
+              <a:t>the company would like to doing promotion, they </a:t>
+            </a:r>
+            <a:r>
+              <a:rPr lang="en-US" sz="1800" dirty="0" smtClean="0"/>
+              <a:t>have to more </a:t>
+            </a:r>
+            <a:r>
+              <a:rPr lang="en-US" sz="1800" dirty="0" err="1" smtClean="0"/>
+              <a:t>focuse</a:t>
+            </a:r>
+            <a:r>
+              <a:rPr lang="en-US" sz="1800" dirty="0" smtClean="0"/>
+              <a:t> to FP (False Positive) since it has the lowest score means </a:t>
+            </a:r>
+            <a:r>
+              <a:rPr lang="en-US" sz="1800" dirty="0"/>
+              <a:t>that this is the best score than others. We don't want to lose the opportunity to get the customer who keep to stay when giving the </a:t>
+            </a:r>
+            <a:r>
+              <a:rPr lang="en-US" sz="1800" dirty="0" smtClean="0"/>
+              <a:t>promotion.</a:t>
+            </a:r>
+          </a:p>
+          <a:p>
+            <a:pPr marL="285750" indent="-285750">
+              <a:lnSpc>
+                <a:spcPct val="100000"/>
+              </a:lnSpc>
+              <a:spcBef>
+                <a:spcPts val="0"/>
+              </a:spcBef>
+              <a:spcAft>
+                <a:spcPts val="600"/>
+              </a:spcAft>
+              <a:buFont typeface="Arial" panose="020B0604020202020204" pitchFamily="34" charset="0"/>
+              <a:buChar char="•"/>
+            </a:pPr>
+            <a:r>
+              <a:rPr lang="en-US" sz="1800" dirty="0" smtClean="0"/>
+              <a:t>As </a:t>
+            </a:r>
+            <a:r>
+              <a:rPr lang="en-US" sz="1800" dirty="0"/>
+              <a:t>we </a:t>
+            </a:r>
+            <a:r>
+              <a:rPr lang="en-US" sz="1800" dirty="0" err="1"/>
+              <a:t>focuse</a:t>
+            </a:r>
+            <a:r>
+              <a:rPr lang="en-US" sz="1800" dirty="0"/>
+              <a:t> on FP, then we will focus on Precision (+) and Recall (-) which both metrics have FP as one of the contributing factors.</a:t>
+            </a:r>
+          </a:p>
+          <a:p>
+            <a:pPr marL="285750" indent="-285750">
+              <a:lnSpc>
+                <a:spcPct val="100000"/>
+              </a:lnSpc>
+              <a:spcBef>
+                <a:spcPts val="0"/>
+              </a:spcBef>
+              <a:spcAft>
+                <a:spcPts val="600"/>
+              </a:spcAft>
+              <a:buFont typeface="Arial" panose="020B0604020202020204" pitchFamily="34" charset="0"/>
+              <a:buChar char="•"/>
+            </a:pPr>
+            <a:r>
+              <a:rPr lang="en-US" sz="1800" dirty="0" smtClean="0"/>
+              <a:t>I </a:t>
+            </a:r>
+            <a:r>
+              <a:rPr lang="en-US" sz="1800" dirty="0"/>
+              <a:t>choose Logistic Regression (</a:t>
+            </a:r>
+            <a:r>
+              <a:rPr lang="en-US" sz="1800" dirty="0" err="1"/>
+              <a:t>Logreg</a:t>
+            </a:r>
+            <a:r>
+              <a:rPr lang="en-US" sz="1800" dirty="0"/>
+              <a:t>) as the best estimator than other models as </a:t>
+            </a:r>
+            <a:r>
+              <a:rPr lang="en-US" sz="1800" dirty="0" err="1"/>
+              <a:t>Logreg</a:t>
+            </a:r>
+            <a:r>
+              <a:rPr lang="en-US" sz="1800" dirty="0"/>
+              <a:t> have the highest AUC score (0.84) even on non-SMOTE, SMOTE, or oversampling. Although, from the scoring, the RFC-Oversampling is the highest, but I think the data is too oversampled since the score is 0.99, almost 1</a:t>
+            </a:r>
+            <a:r>
+              <a:rPr lang="en-US" sz="1800" dirty="0" smtClean="0"/>
+              <a:t>.</a:t>
+            </a:r>
+            <a:endParaRPr lang="en-US" sz="1800" dirty="0"/>
+          </a:p>
+        </p:txBody>
+      </p:sp>
+      <p:pic>
+        <p:nvPicPr>
+          <p:cNvPr id="4" name="Picture 3"/>
+          <p:cNvPicPr>
+            <a:picLocks noChangeAspect="1"/>
+          </p:cNvPicPr>
+          <p:nvPr/>
+        </p:nvPicPr>
+        <p:blipFill>
+          <a:blip r:embed="rId2"/>
+          <a:stretch>
+            <a:fillRect/>
+          </a:stretch>
+        </p:blipFill>
+        <p:spPr>
+          <a:xfrm>
+            <a:off x="6305691" y="1827289"/>
+            <a:ext cx="5569236" cy="4148969"/>
+          </a:xfrm>
+          <a:prstGeom prst="rect">
+            <a:avLst/>
+          </a:prstGeom>
+        </p:spPr>
+      </p:pic>
+    </p:spTree>
+    <p:extLst>
+      <p:ext uri="{BB962C8B-B14F-4D97-AF65-F5344CB8AC3E}">
+        <p14:creationId xmlns:p14="http://schemas.microsoft.com/office/powerpoint/2010/main" val="3853482534"/>
+      </p:ext>
+    </p:extLst>
+  </p:cSld>
+  <p:clrMapOvr>
+    <a:masterClrMapping/>
+  </p:clrMapOvr>
+  <mc:AlternateContent xmlns:mc="http://schemas.openxmlformats.org/markup-compatibility/2006">
+    <mc:Choice xmlns:p14="http://schemas.microsoft.com/office/powerpoint/2010/main" Requires="p14">
+      <p:transition p14:dur="0"/>
+    </mc:Choice>
+    <mc:Fallback>
+      <p:transition/>
+    </mc:Fallback>
+  </mc:AlternateContent>
+  <p:timing>
+    <p:tnLst>
+      <p:par>
+        <p:cTn id="1" dur="indefinite" restart="never" nodeType="tmRoot"/>
+      </p:par>
+    </p:tnLst>
+  </p:timing>
+</p:sld>
+</file>
+
+<file path=ppt/slides/slide11.xml><?xml version="1.0" encoding="utf-8"?>
+<p:sld xmlns:a="http://schemas.openxmlformats.org/drawingml/2006/main" xmlns:r="http://schemas.openxmlformats.org/officeDocument/2006/relationships" xmlns:p="http://schemas.openxmlformats.org/presentationml/2006/main">
+  <p:cSld>
+    <p:spTree>
+      <p:nvGrpSpPr>
+        <p:cNvPr id="1" name=""/>
+        <p:cNvGrpSpPr/>
+        <p:nvPr/>
+      </p:nvGrpSpPr>
+      <p:grpSpPr>
+        <a:xfrm>
+          <a:off x="0" y="0"/>
+          <a:ext cx="0" cy="0"/>
+          <a:chOff x="0" y="0"/>
+          <a:chExt cx="0" cy="0"/>
+        </a:xfrm>
+      </p:grpSpPr>
+      <p:sp>
+        <p:nvSpPr>
+          <p:cNvPr id="2" name="Title 1"/>
+          <p:cNvSpPr>
+            <a:spLocks noGrp="1"/>
+          </p:cNvSpPr>
+          <p:nvPr>
+            <p:ph type="title"/>
+          </p:nvPr>
+        </p:nvSpPr>
+        <p:spPr/>
+        <p:txBody>
+          <a:bodyPr>
+            <a:normAutofit/>
+          </a:bodyPr>
+          <a:lstStyle/>
+          <a:p>
+            <a:r>
               <a:rPr lang="en-US" sz="4800" b="1" dirty="0" err="1" smtClean="0">
                 <a:latin typeface="Segoe UI Semibold" panose="020B0702040204020203" pitchFamily="34" charset="0"/>
                 <a:cs typeface="Segoe UI Semibold" panose="020B0702040204020203" pitchFamily="34" charset="0"/>
@@ -5227,7 +5466,7 @@
 </p:sld>
 </file>
 
-<file path=ppt/slides/slide11.xml><?xml version="1.0" encoding="utf-8"?>
+<file path=ppt/slides/slide12.xml><?xml version="1.0" encoding="utf-8"?>
 <p:sld xmlns:a="http://schemas.openxmlformats.org/drawingml/2006/main" xmlns:r="http://schemas.openxmlformats.org/officeDocument/2006/relationships" xmlns:p="http://schemas.openxmlformats.org/presentationml/2006/main">
   <p:cSld>
     <p:spTree>
@@ -5342,7 +5581,7 @@
 </p:sld>
 </file>
 
-<file path=ppt/slides/slide12.xml><?xml version="1.0" encoding="utf-8"?>
+<file path=ppt/slides/slide13.xml><?xml version="1.0" encoding="utf-8"?>
 <p:sld xmlns:a="http://schemas.openxmlformats.org/drawingml/2006/main" xmlns:r="http://schemas.openxmlformats.org/officeDocument/2006/relationships" xmlns:p="http://schemas.openxmlformats.org/presentationml/2006/main">
   <p:cSld>
     <p:spTree>
@@ -5457,7 +5696,7 @@
 </p:sld>
 </file>
 
-<file path=ppt/slides/slide13.xml><?xml version="1.0" encoding="utf-8"?>
+<file path=ppt/slides/slide14.xml><?xml version="1.0" encoding="utf-8"?>
 <p:sld xmlns:a="http://schemas.openxmlformats.org/drawingml/2006/main" xmlns:r="http://schemas.openxmlformats.org/officeDocument/2006/relationships" xmlns:p="http://schemas.openxmlformats.org/presentationml/2006/main">
   <p:cSld>
     <p:spTree>
@@ -5503,14 +5742,14 @@
                 <a:latin typeface="Segoe UI Semibold" panose="020B0702040204020203" pitchFamily="34" charset="0"/>
                 <a:cs typeface="Segoe UI Semibold" panose="020B0702040204020203" pitchFamily="34" charset="0"/>
               </a:rPr>
-              <a:t> Interface </a:t>
+              <a:t> Interface – Result </a:t>
             </a:r>
             <a:r>
               <a:rPr lang="en-US" sz="4800" b="1" dirty="0" smtClean="0">
                 <a:latin typeface="Segoe UI Semibold" panose="020B0702040204020203" pitchFamily="34" charset="0"/>
                 <a:cs typeface="Segoe UI Semibold" panose="020B0702040204020203" pitchFamily="34" charset="0"/>
               </a:rPr>
-              <a:t>– Result (Churn)</a:t>
+              <a:t>(Retain)</a:t>
             </a:r>
             <a:endParaRPr lang="en-US" sz="4800" dirty="0"/>
           </a:p>
@@ -5518,7 +5757,7 @@
       </p:sp>
       <p:pic>
         <p:nvPicPr>
-          <p:cNvPr id="3" name="Picture 2"/>
+          <p:cNvPr id="4" name="Picture 3"/>
           <p:cNvPicPr>
             <a:picLocks noChangeAspect="1"/>
           </p:cNvPicPr>
@@ -5538,8 +5777,8 @@
         </p:blipFill>
         <p:spPr>
           <a:xfrm>
-            <a:off x="266700" y="1359808"/>
-            <a:ext cx="11685814" cy="5419778"/>
+            <a:off x="239903" y="1332184"/>
+            <a:ext cx="11830177" cy="5502701"/>
           </a:xfrm>
           <a:prstGeom prst="rect">
             <a:avLst/>
@@ -5556,11 +5795,11 @@
   <p:clrMapOvr>
     <a:masterClrMapping/>
   </p:clrMapOvr>
-  <mc:AlternateContent xmlns:mc="http://schemas.openxmlformats.org/markup-compatibility/2006">
-    <mc:Choice xmlns:p14="http://schemas.microsoft.com/office/powerpoint/2010/main" Requires="p14">
+  <mc:AlternateContent xmlns:mc="http://schemas.openxmlformats.org/markup-compatibility/2006" xmlns:p14="http://schemas.microsoft.com/office/powerpoint/2010/main">
+    <mc:Choice Requires="p14">
       <p:transition p14:dur="0"/>
     </mc:Choice>
-    <mc:Fallback>
+    <mc:Fallback xmlns="">
       <p:transition/>
     </mc:Fallback>
   </mc:AlternateContent>
@@ -5574,7 +5813,7 @@
 </p:sld>
 </file>
 
-<file path=ppt/slides/slide14.xml><?xml version="1.0" encoding="utf-8"?>
+<file path=ppt/slides/slide15.xml><?xml version="1.0" encoding="utf-8"?>
 <p:sld xmlns:a="http://schemas.openxmlformats.org/drawingml/2006/main" xmlns:r="http://schemas.openxmlformats.org/officeDocument/2006/relationships" xmlns:p="http://schemas.openxmlformats.org/presentationml/2006/main">
   <p:cSld>
     <p:spTree>
@@ -5620,14 +5859,7 @@
                 <a:latin typeface="Segoe UI Semibold" panose="020B0702040204020203" pitchFamily="34" charset="0"/>
                 <a:cs typeface="Segoe UI Semibold" panose="020B0702040204020203" pitchFamily="34" charset="0"/>
               </a:rPr>
-              <a:t> Interface </a:t>
-            </a:r>
-            <a:r>
-              <a:rPr lang="en-US" sz="4800" b="1" dirty="0" smtClean="0">
-                <a:latin typeface="Segoe UI Semibold" panose="020B0702040204020203" pitchFamily="34" charset="0"/>
-                <a:cs typeface="Segoe UI Semibold" panose="020B0702040204020203" pitchFamily="34" charset="0"/>
-              </a:rPr>
-              <a:t>– Result (Exit)</a:t>
+              <a:t> Interface – Result (Exit)</a:t>
             </a:r>
             <a:endParaRPr lang="en-US" sz="4800" dirty="0"/>
           </a:p>
@@ -5673,11 +5905,11 @@
   <p:clrMapOvr>
     <a:masterClrMapping/>
   </p:clrMapOvr>
-  <mc:AlternateContent xmlns:mc="http://schemas.openxmlformats.org/markup-compatibility/2006">
-    <mc:Choice xmlns:p14="http://schemas.microsoft.com/office/powerpoint/2010/main" Requires="p14">
+  <mc:AlternateContent xmlns:mc="http://schemas.openxmlformats.org/markup-compatibility/2006" xmlns:p14="http://schemas.microsoft.com/office/powerpoint/2010/main">
+    <mc:Choice Requires="p14">
       <p:transition p14:dur="0"/>
     </mc:Choice>
-    <mc:Fallback>
+    <mc:Fallback xmlns="">
       <p:transition/>
     </mc:Fallback>
   </mc:AlternateContent>
@@ -8245,7 +8477,15 @@
             </a:pPr>
             <a:r>
               <a:rPr lang="en-US" sz="1800" dirty="0" smtClean="0"/>
-              <a:t>For predict churn customer, I am using classification method. Here are 3 models of classification method that I used:</a:t>
+              <a:t>For predict churn customer, I am using classification method. Here are </a:t>
+            </a:r>
+            <a:r>
+              <a:rPr lang="en-US" sz="1800" dirty="0" smtClean="0"/>
+              <a:t>4 </a:t>
+            </a:r>
+            <a:r>
+              <a:rPr lang="en-US" sz="1800" dirty="0" smtClean="0"/>
+              <a:t>models of classification method that I used:</a:t>
             </a:r>
           </a:p>
           <a:p>
@@ -8307,8 +8547,32 @@
             </a:pPr>
             <a:r>
               <a:rPr lang="en-US" sz="1800" dirty="0" smtClean="0"/>
-              <a:t>Decision Tree</a:t>
-            </a:r>
+              <a:t>Decision </a:t>
+            </a:r>
+            <a:r>
+              <a:rPr lang="en-US" sz="1800" dirty="0" smtClean="0"/>
+              <a:t>Tree</a:t>
+            </a:r>
+          </a:p>
+          <a:p>
+            <a:pPr marL="285750" indent="-285750">
+              <a:lnSpc>
+                <a:spcPct val="100000"/>
+              </a:lnSpc>
+              <a:spcBef>
+                <a:spcPts val="0"/>
+              </a:spcBef>
+              <a:spcAft>
+                <a:spcPts val="600"/>
+              </a:spcAft>
+              <a:buFont typeface="Arial" panose="020B0604020202020204" pitchFamily="34" charset="0"/>
+              <a:buChar char="•"/>
+            </a:pPr>
+            <a:r>
+              <a:rPr lang="en-US" sz="1800" dirty="0" smtClean="0"/>
+              <a:t>Random Forest</a:t>
+            </a:r>
+            <a:endParaRPr lang="en-US" sz="1800" dirty="0" smtClean="0"/>
           </a:p>
           <a:p>
             <a:pPr marL="285750" indent="-285750">
@@ -8348,7 +8612,15 @@
             </a:r>
             <a:r>
               <a:rPr lang="en-US" sz="1800" dirty="0" smtClean="0"/>
-              <a:t> tuning by creating function to get a better score when building the model. Since we have unbalanced data, thus, I consider to use SMOTE as well beside using non-SMOTE data when training the model to compare the best result.</a:t>
+              <a:t> tuning by creating function to get a better score when building the model. Since we have unbalanced data, thus, I consider to use </a:t>
+            </a:r>
+            <a:r>
+              <a:rPr lang="en-US" sz="1800" dirty="0" smtClean="0"/>
+              <a:t>SMOTE and Random Oversampling </a:t>
+            </a:r>
+            <a:r>
+              <a:rPr lang="en-US" sz="1800" dirty="0" smtClean="0"/>
+              <a:t>as well beside using non-SMOTE data when training the model to compare the best result.</a:t>
             </a:r>
           </a:p>
           <a:p>
